--- a/Lab04/STAT115-Lab4.pptx
+++ b/Lab04/STAT115-Lab4.pptx
@@ -139,7 +139,7 @@
           <p:cNvPr id="2" name="Title 1">
             <a:extLst>
               <a:ext uri="{FF2B5EF4-FFF2-40B4-BE49-F238E27FC236}">
-                <a16:creationId xmlns:a16="http://schemas.microsoft.com/office/drawing/2014/main" id="{BDEB2935-1227-9E47-866C-5BF6AD830E4D}"/>
+                <a16:creationId xmlns:a16="http://schemas.microsoft.com/office/drawing/2014/main" xmlns="" id="{BDEB2935-1227-9E47-866C-5BF6AD830E4D}"/>
               </a:ext>
             </a:extLst>
           </p:cNvPr>
@@ -176,7 +176,7 @@
           <p:cNvPr id="3" name="Subtitle 2">
             <a:extLst>
               <a:ext uri="{FF2B5EF4-FFF2-40B4-BE49-F238E27FC236}">
-                <a16:creationId xmlns:a16="http://schemas.microsoft.com/office/drawing/2014/main" id="{3A79CC37-5C0F-434D-BF3F-305F0517A3EB}"/>
+                <a16:creationId xmlns:a16="http://schemas.microsoft.com/office/drawing/2014/main" xmlns="" id="{3A79CC37-5C0F-434D-BF3F-305F0517A3EB}"/>
               </a:ext>
             </a:extLst>
           </p:cNvPr>
@@ -246,7 +246,7 @@
           <p:cNvPr id="4" name="Date Placeholder 3">
             <a:extLst>
               <a:ext uri="{FF2B5EF4-FFF2-40B4-BE49-F238E27FC236}">
-                <a16:creationId xmlns:a16="http://schemas.microsoft.com/office/drawing/2014/main" id="{66A07151-C8F2-5045-B309-06F6F177E04A}"/>
+                <a16:creationId xmlns:a16="http://schemas.microsoft.com/office/drawing/2014/main" xmlns="" id="{66A07151-C8F2-5045-B309-06F6F177E04A}"/>
               </a:ext>
             </a:extLst>
           </p:cNvPr>
@@ -264,7 +264,7 @@
           <a:p>
             <a:fld id="{8BFD3E59-099D-4A4C-96AB-C2E44F2AD6F6}" type="datetimeFigureOut">
               <a:rPr lang="en-US" smtClean="0"/>
-              <a:t>2/18/20</a:t>
+              <a:t>2/20/20</a:t>
             </a:fld>
             <a:endParaRPr lang="en-US"/>
           </a:p>
@@ -275,7 +275,7 @@
           <p:cNvPr id="5" name="Footer Placeholder 4">
             <a:extLst>
               <a:ext uri="{FF2B5EF4-FFF2-40B4-BE49-F238E27FC236}">
-                <a16:creationId xmlns:a16="http://schemas.microsoft.com/office/drawing/2014/main" id="{FEDDED6E-EC2C-494B-B95E-B7F2C8C01814}"/>
+                <a16:creationId xmlns:a16="http://schemas.microsoft.com/office/drawing/2014/main" xmlns="" id="{FEDDED6E-EC2C-494B-B95E-B7F2C8C01814}"/>
               </a:ext>
             </a:extLst>
           </p:cNvPr>
@@ -300,7 +300,7 @@
           <p:cNvPr id="6" name="Slide Number Placeholder 5">
             <a:extLst>
               <a:ext uri="{FF2B5EF4-FFF2-40B4-BE49-F238E27FC236}">
-                <a16:creationId xmlns:a16="http://schemas.microsoft.com/office/drawing/2014/main" id="{EB4D18C1-CAE5-6245-9844-8F0B3805D0F6}"/>
+                <a16:creationId xmlns:a16="http://schemas.microsoft.com/office/drawing/2014/main" xmlns="" id="{EB4D18C1-CAE5-6245-9844-8F0B3805D0F6}"/>
               </a:ext>
             </a:extLst>
           </p:cNvPr>
@@ -359,7 +359,7 @@
           <p:cNvPr id="2" name="Title 1">
             <a:extLst>
               <a:ext uri="{FF2B5EF4-FFF2-40B4-BE49-F238E27FC236}">
-                <a16:creationId xmlns:a16="http://schemas.microsoft.com/office/drawing/2014/main" id="{AB79F752-31D0-7C46-8183-9A7D7F4BEF22}"/>
+                <a16:creationId xmlns:a16="http://schemas.microsoft.com/office/drawing/2014/main" xmlns="" id="{AB79F752-31D0-7C46-8183-9A7D7F4BEF22}"/>
               </a:ext>
             </a:extLst>
           </p:cNvPr>
@@ -387,7 +387,7 @@
           <p:cNvPr id="3" name="Vertical Text Placeholder 2">
             <a:extLst>
               <a:ext uri="{FF2B5EF4-FFF2-40B4-BE49-F238E27FC236}">
-                <a16:creationId xmlns:a16="http://schemas.microsoft.com/office/drawing/2014/main" id="{3AED0160-D629-1E4B-BE85-203D13410C37}"/>
+                <a16:creationId xmlns:a16="http://schemas.microsoft.com/office/drawing/2014/main" xmlns="" id="{3AED0160-D629-1E4B-BE85-203D13410C37}"/>
               </a:ext>
             </a:extLst>
           </p:cNvPr>
@@ -444,7 +444,7 @@
           <p:cNvPr id="4" name="Date Placeholder 3">
             <a:extLst>
               <a:ext uri="{FF2B5EF4-FFF2-40B4-BE49-F238E27FC236}">
-                <a16:creationId xmlns:a16="http://schemas.microsoft.com/office/drawing/2014/main" id="{11CF3747-2D91-2843-BBE2-033D7002B965}"/>
+                <a16:creationId xmlns:a16="http://schemas.microsoft.com/office/drawing/2014/main" xmlns="" id="{11CF3747-2D91-2843-BBE2-033D7002B965}"/>
               </a:ext>
             </a:extLst>
           </p:cNvPr>
@@ -462,7 +462,7 @@
           <a:p>
             <a:fld id="{8BFD3E59-099D-4A4C-96AB-C2E44F2AD6F6}" type="datetimeFigureOut">
               <a:rPr lang="en-US" smtClean="0"/>
-              <a:t>2/18/20</a:t>
+              <a:t>2/20/20</a:t>
             </a:fld>
             <a:endParaRPr lang="en-US"/>
           </a:p>
@@ -473,7 +473,7 @@
           <p:cNvPr id="5" name="Footer Placeholder 4">
             <a:extLst>
               <a:ext uri="{FF2B5EF4-FFF2-40B4-BE49-F238E27FC236}">
-                <a16:creationId xmlns:a16="http://schemas.microsoft.com/office/drawing/2014/main" id="{31D3C3E5-8B54-8A49-8121-CC3654097258}"/>
+                <a16:creationId xmlns:a16="http://schemas.microsoft.com/office/drawing/2014/main" xmlns="" id="{31D3C3E5-8B54-8A49-8121-CC3654097258}"/>
               </a:ext>
             </a:extLst>
           </p:cNvPr>
@@ -498,7 +498,7 @@
           <p:cNvPr id="6" name="Slide Number Placeholder 5">
             <a:extLst>
               <a:ext uri="{FF2B5EF4-FFF2-40B4-BE49-F238E27FC236}">
-                <a16:creationId xmlns:a16="http://schemas.microsoft.com/office/drawing/2014/main" id="{C353392B-7921-5849-AD57-5077CC19B619}"/>
+                <a16:creationId xmlns:a16="http://schemas.microsoft.com/office/drawing/2014/main" xmlns="" id="{C353392B-7921-5849-AD57-5077CC19B619}"/>
               </a:ext>
             </a:extLst>
           </p:cNvPr>
@@ -557,7 +557,7 @@
           <p:cNvPr id="2" name="Vertical Title 1">
             <a:extLst>
               <a:ext uri="{FF2B5EF4-FFF2-40B4-BE49-F238E27FC236}">
-                <a16:creationId xmlns:a16="http://schemas.microsoft.com/office/drawing/2014/main" id="{BEF692FA-AFFE-924D-85E3-D13019400CD0}"/>
+                <a16:creationId xmlns:a16="http://schemas.microsoft.com/office/drawing/2014/main" xmlns="" id="{BEF692FA-AFFE-924D-85E3-D13019400CD0}"/>
               </a:ext>
             </a:extLst>
           </p:cNvPr>
@@ -590,7 +590,7 @@
           <p:cNvPr id="3" name="Vertical Text Placeholder 2">
             <a:extLst>
               <a:ext uri="{FF2B5EF4-FFF2-40B4-BE49-F238E27FC236}">
-                <a16:creationId xmlns:a16="http://schemas.microsoft.com/office/drawing/2014/main" id="{D9873617-DB3E-474C-B2C5-B45FF461482E}"/>
+                <a16:creationId xmlns:a16="http://schemas.microsoft.com/office/drawing/2014/main" xmlns="" id="{D9873617-DB3E-474C-B2C5-B45FF461482E}"/>
               </a:ext>
             </a:extLst>
           </p:cNvPr>
@@ -652,7 +652,7 @@
           <p:cNvPr id="4" name="Date Placeholder 3">
             <a:extLst>
               <a:ext uri="{FF2B5EF4-FFF2-40B4-BE49-F238E27FC236}">
-                <a16:creationId xmlns:a16="http://schemas.microsoft.com/office/drawing/2014/main" id="{3172BFFF-B44A-2F45-9B81-62BDAE44EC5E}"/>
+                <a16:creationId xmlns:a16="http://schemas.microsoft.com/office/drawing/2014/main" xmlns="" id="{3172BFFF-B44A-2F45-9B81-62BDAE44EC5E}"/>
               </a:ext>
             </a:extLst>
           </p:cNvPr>
@@ -670,7 +670,7 @@
           <a:p>
             <a:fld id="{8BFD3E59-099D-4A4C-96AB-C2E44F2AD6F6}" type="datetimeFigureOut">
               <a:rPr lang="en-US" smtClean="0"/>
-              <a:t>2/18/20</a:t>
+              <a:t>2/20/20</a:t>
             </a:fld>
             <a:endParaRPr lang="en-US"/>
           </a:p>
@@ -681,7 +681,7 @@
           <p:cNvPr id="5" name="Footer Placeholder 4">
             <a:extLst>
               <a:ext uri="{FF2B5EF4-FFF2-40B4-BE49-F238E27FC236}">
-                <a16:creationId xmlns:a16="http://schemas.microsoft.com/office/drawing/2014/main" id="{C222794B-D1DF-5943-B54B-33C8A81A1D24}"/>
+                <a16:creationId xmlns:a16="http://schemas.microsoft.com/office/drawing/2014/main" xmlns="" id="{C222794B-D1DF-5943-B54B-33C8A81A1D24}"/>
               </a:ext>
             </a:extLst>
           </p:cNvPr>
@@ -706,7 +706,7 @@
           <p:cNvPr id="6" name="Slide Number Placeholder 5">
             <a:extLst>
               <a:ext uri="{FF2B5EF4-FFF2-40B4-BE49-F238E27FC236}">
-                <a16:creationId xmlns:a16="http://schemas.microsoft.com/office/drawing/2014/main" id="{C2364A87-36EF-464C-90A0-91C867E3FA78}"/>
+                <a16:creationId xmlns:a16="http://schemas.microsoft.com/office/drawing/2014/main" xmlns="" id="{C2364A87-36EF-464C-90A0-91C867E3FA78}"/>
               </a:ext>
             </a:extLst>
           </p:cNvPr>
@@ -765,7 +765,7 @@
           <p:cNvPr id="2" name="Title 1">
             <a:extLst>
               <a:ext uri="{FF2B5EF4-FFF2-40B4-BE49-F238E27FC236}">
-                <a16:creationId xmlns:a16="http://schemas.microsoft.com/office/drawing/2014/main" id="{819E80B4-4505-D743-92BD-1BD9B404EC7C}"/>
+                <a16:creationId xmlns:a16="http://schemas.microsoft.com/office/drawing/2014/main" xmlns="" id="{819E80B4-4505-D743-92BD-1BD9B404EC7C}"/>
               </a:ext>
             </a:extLst>
           </p:cNvPr>
@@ -793,7 +793,7 @@
           <p:cNvPr id="3" name="Content Placeholder 2">
             <a:extLst>
               <a:ext uri="{FF2B5EF4-FFF2-40B4-BE49-F238E27FC236}">
-                <a16:creationId xmlns:a16="http://schemas.microsoft.com/office/drawing/2014/main" id="{DCBA269D-D8D4-754F-9CFD-07C622D470A1}"/>
+                <a16:creationId xmlns:a16="http://schemas.microsoft.com/office/drawing/2014/main" xmlns="" id="{DCBA269D-D8D4-754F-9CFD-07C622D470A1}"/>
               </a:ext>
             </a:extLst>
           </p:cNvPr>
@@ -850,7 +850,7 @@
           <p:cNvPr id="4" name="Date Placeholder 3">
             <a:extLst>
               <a:ext uri="{FF2B5EF4-FFF2-40B4-BE49-F238E27FC236}">
-                <a16:creationId xmlns:a16="http://schemas.microsoft.com/office/drawing/2014/main" id="{09FA6BDE-4CEC-6E4E-A635-55A8F9FC4C6C}"/>
+                <a16:creationId xmlns:a16="http://schemas.microsoft.com/office/drawing/2014/main" xmlns="" id="{09FA6BDE-4CEC-6E4E-A635-55A8F9FC4C6C}"/>
               </a:ext>
             </a:extLst>
           </p:cNvPr>
@@ -868,7 +868,7 @@
           <a:p>
             <a:fld id="{8BFD3E59-099D-4A4C-96AB-C2E44F2AD6F6}" type="datetimeFigureOut">
               <a:rPr lang="en-US" smtClean="0"/>
-              <a:t>2/18/20</a:t>
+              <a:t>2/20/20</a:t>
             </a:fld>
             <a:endParaRPr lang="en-US"/>
           </a:p>
@@ -879,7 +879,7 @@
           <p:cNvPr id="5" name="Footer Placeholder 4">
             <a:extLst>
               <a:ext uri="{FF2B5EF4-FFF2-40B4-BE49-F238E27FC236}">
-                <a16:creationId xmlns:a16="http://schemas.microsoft.com/office/drawing/2014/main" id="{A97B49D6-0770-4641-97C5-917D0B3A5495}"/>
+                <a16:creationId xmlns:a16="http://schemas.microsoft.com/office/drawing/2014/main" xmlns="" id="{A97B49D6-0770-4641-97C5-917D0B3A5495}"/>
               </a:ext>
             </a:extLst>
           </p:cNvPr>
@@ -904,7 +904,7 @@
           <p:cNvPr id="6" name="Slide Number Placeholder 5">
             <a:extLst>
               <a:ext uri="{FF2B5EF4-FFF2-40B4-BE49-F238E27FC236}">
-                <a16:creationId xmlns:a16="http://schemas.microsoft.com/office/drawing/2014/main" id="{93300299-FB6D-D34F-9522-C9999ED0BAA6}"/>
+                <a16:creationId xmlns:a16="http://schemas.microsoft.com/office/drawing/2014/main" xmlns="" id="{93300299-FB6D-D34F-9522-C9999ED0BAA6}"/>
               </a:ext>
             </a:extLst>
           </p:cNvPr>
@@ -963,7 +963,7 @@
           <p:cNvPr id="2" name="Title 1">
             <a:extLst>
               <a:ext uri="{FF2B5EF4-FFF2-40B4-BE49-F238E27FC236}">
-                <a16:creationId xmlns:a16="http://schemas.microsoft.com/office/drawing/2014/main" id="{0981922E-739D-694F-9B41-A6A069EAFB1F}"/>
+                <a16:creationId xmlns:a16="http://schemas.microsoft.com/office/drawing/2014/main" xmlns="" id="{0981922E-739D-694F-9B41-A6A069EAFB1F}"/>
               </a:ext>
             </a:extLst>
           </p:cNvPr>
@@ -1000,7 +1000,7 @@
           <p:cNvPr id="3" name="Text Placeholder 2">
             <a:extLst>
               <a:ext uri="{FF2B5EF4-FFF2-40B4-BE49-F238E27FC236}">
-                <a16:creationId xmlns:a16="http://schemas.microsoft.com/office/drawing/2014/main" id="{042EC751-8DB3-B944-A368-C98916807065}"/>
+                <a16:creationId xmlns:a16="http://schemas.microsoft.com/office/drawing/2014/main" xmlns="" id="{042EC751-8DB3-B944-A368-C98916807065}"/>
               </a:ext>
             </a:extLst>
           </p:cNvPr>
@@ -1125,7 +1125,7 @@
           <p:cNvPr id="4" name="Date Placeholder 3">
             <a:extLst>
               <a:ext uri="{FF2B5EF4-FFF2-40B4-BE49-F238E27FC236}">
-                <a16:creationId xmlns:a16="http://schemas.microsoft.com/office/drawing/2014/main" id="{CE85AF20-CC7A-444E-BA75-24ECB779E75C}"/>
+                <a16:creationId xmlns:a16="http://schemas.microsoft.com/office/drawing/2014/main" xmlns="" id="{CE85AF20-CC7A-444E-BA75-24ECB779E75C}"/>
               </a:ext>
             </a:extLst>
           </p:cNvPr>
@@ -1143,7 +1143,7 @@
           <a:p>
             <a:fld id="{8BFD3E59-099D-4A4C-96AB-C2E44F2AD6F6}" type="datetimeFigureOut">
               <a:rPr lang="en-US" smtClean="0"/>
-              <a:t>2/18/20</a:t>
+              <a:t>2/20/20</a:t>
             </a:fld>
             <a:endParaRPr lang="en-US"/>
           </a:p>
@@ -1154,7 +1154,7 @@
           <p:cNvPr id="5" name="Footer Placeholder 4">
             <a:extLst>
               <a:ext uri="{FF2B5EF4-FFF2-40B4-BE49-F238E27FC236}">
-                <a16:creationId xmlns:a16="http://schemas.microsoft.com/office/drawing/2014/main" id="{60CC4EE5-07E7-024F-A3D4-3F7468539450}"/>
+                <a16:creationId xmlns:a16="http://schemas.microsoft.com/office/drawing/2014/main" xmlns="" id="{60CC4EE5-07E7-024F-A3D4-3F7468539450}"/>
               </a:ext>
             </a:extLst>
           </p:cNvPr>
@@ -1179,7 +1179,7 @@
           <p:cNvPr id="6" name="Slide Number Placeholder 5">
             <a:extLst>
               <a:ext uri="{FF2B5EF4-FFF2-40B4-BE49-F238E27FC236}">
-                <a16:creationId xmlns:a16="http://schemas.microsoft.com/office/drawing/2014/main" id="{1C6F1F77-7CFF-C140-B34E-515884F5E3BC}"/>
+                <a16:creationId xmlns:a16="http://schemas.microsoft.com/office/drawing/2014/main" xmlns="" id="{1C6F1F77-7CFF-C140-B34E-515884F5E3BC}"/>
               </a:ext>
             </a:extLst>
           </p:cNvPr>
@@ -1238,7 +1238,7 @@
           <p:cNvPr id="2" name="Title 1">
             <a:extLst>
               <a:ext uri="{FF2B5EF4-FFF2-40B4-BE49-F238E27FC236}">
-                <a16:creationId xmlns:a16="http://schemas.microsoft.com/office/drawing/2014/main" id="{C29137FB-F338-C745-8FCC-EA29BDA7941A}"/>
+                <a16:creationId xmlns:a16="http://schemas.microsoft.com/office/drawing/2014/main" xmlns="" id="{C29137FB-F338-C745-8FCC-EA29BDA7941A}"/>
               </a:ext>
             </a:extLst>
           </p:cNvPr>
@@ -1266,7 +1266,7 @@
           <p:cNvPr id="3" name="Content Placeholder 2">
             <a:extLst>
               <a:ext uri="{FF2B5EF4-FFF2-40B4-BE49-F238E27FC236}">
-                <a16:creationId xmlns:a16="http://schemas.microsoft.com/office/drawing/2014/main" id="{2AE64531-9B34-B547-880D-F9D401F4FAFE}"/>
+                <a16:creationId xmlns:a16="http://schemas.microsoft.com/office/drawing/2014/main" xmlns="" id="{2AE64531-9B34-B547-880D-F9D401F4FAFE}"/>
               </a:ext>
             </a:extLst>
           </p:cNvPr>
@@ -1328,7 +1328,7 @@
           <p:cNvPr id="4" name="Content Placeholder 3">
             <a:extLst>
               <a:ext uri="{FF2B5EF4-FFF2-40B4-BE49-F238E27FC236}">
-                <a16:creationId xmlns:a16="http://schemas.microsoft.com/office/drawing/2014/main" id="{A571CFF4-3061-EC4B-B6EF-958716A208D8}"/>
+                <a16:creationId xmlns:a16="http://schemas.microsoft.com/office/drawing/2014/main" xmlns="" id="{A571CFF4-3061-EC4B-B6EF-958716A208D8}"/>
               </a:ext>
             </a:extLst>
           </p:cNvPr>
@@ -1390,7 +1390,7 @@
           <p:cNvPr id="5" name="Date Placeholder 4">
             <a:extLst>
               <a:ext uri="{FF2B5EF4-FFF2-40B4-BE49-F238E27FC236}">
-                <a16:creationId xmlns:a16="http://schemas.microsoft.com/office/drawing/2014/main" id="{FBCF34C5-D957-3445-B3C0-4AAE3D56007A}"/>
+                <a16:creationId xmlns:a16="http://schemas.microsoft.com/office/drawing/2014/main" xmlns="" id="{FBCF34C5-D957-3445-B3C0-4AAE3D56007A}"/>
               </a:ext>
             </a:extLst>
           </p:cNvPr>
@@ -1408,7 +1408,7 @@
           <a:p>
             <a:fld id="{8BFD3E59-099D-4A4C-96AB-C2E44F2AD6F6}" type="datetimeFigureOut">
               <a:rPr lang="en-US" smtClean="0"/>
-              <a:t>2/18/20</a:t>
+              <a:t>2/20/20</a:t>
             </a:fld>
             <a:endParaRPr lang="en-US"/>
           </a:p>
@@ -1419,7 +1419,7 @@
           <p:cNvPr id="6" name="Footer Placeholder 5">
             <a:extLst>
               <a:ext uri="{FF2B5EF4-FFF2-40B4-BE49-F238E27FC236}">
-                <a16:creationId xmlns:a16="http://schemas.microsoft.com/office/drawing/2014/main" id="{E67D79C5-27DE-EF4B-844C-A92344F3F8EF}"/>
+                <a16:creationId xmlns:a16="http://schemas.microsoft.com/office/drawing/2014/main" xmlns="" id="{E67D79C5-27DE-EF4B-844C-A92344F3F8EF}"/>
               </a:ext>
             </a:extLst>
           </p:cNvPr>
@@ -1444,7 +1444,7 @@
           <p:cNvPr id="7" name="Slide Number Placeholder 6">
             <a:extLst>
               <a:ext uri="{FF2B5EF4-FFF2-40B4-BE49-F238E27FC236}">
-                <a16:creationId xmlns:a16="http://schemas.microsoft.com/office/drawing/2014/main" id="{0D554965-B7A4-444B-AEC0-EFF6BA65AD1F}"/>
+                <a16:creationId xmlns:a16="http://schemas.microsoft.com/office/drawing/2014/main" xmlns="" id="{0D554965-B7A4-444B-AEC0-EFF6BA65AD1F}"/>
               </a:ext>
             </a:extLst>
           </p:cNvPr>
@@ -1503,7 +1503,7 @@
           <p:cNvPr id="2" name="Title 1">
             <a:extLst>
               <a:ext uri="{FF2B5EF4-FFF2-40B4-BE49-F238E27FC236}">
-                <a16:creationId xmlns:a16="http://schemas.microsoft.com/office/drawing/2014/main" id="{DA3F26D7-D6F3-804F-9F5A-04F012A37B62}"/>
+                <a16:creationId xmlns:a16="http://schemas.microsoft.com/office/drawing/2014/main" xmlns="" id="{DA3F26D7-D6F3-804F-9F5A-04F012A37B62}"/>
               </a:ext>
             </a:extLst>
           </p:cNvPr>
@@ -1536,7 +1536,7 @@
           <p:cNvPr id="3" name="Text Placeholder 2">
             <a:extLst>
               <a:ext uri="{FF2B5EF4-FFF2-40B4-BE49-F238E27FC236}">
-                <a16:creationId xmlns:a16="http://schemas.microsoft.com/office/drawing/2014/main" id="{2EFD6EBA-37C6-1B41-BBA1-84DEDC7EC028}"/>
+                <a16:creationId xmlns:a16="http://schemas.microsoft.com/office/drawing/2014/main" xmlns="" id="{2EFD6EBA-37C6-1B41-BBA1-84DEDC7EC028}"/>
               </a:ext>
             </a:extLst>
           </p:cNvPr>
@@ -1607,7 +1607,7 @@
           <p:cNvPr id="4" name="Content Placeholder 3">
             <a:extLst>
               <a:ext uri="{FF2B5EF4-FFF2-40B4-BE49-F238E27FC236}">
-                <a16:creationId xmlns:a16="http://schemas.microsoft.com/office/drawing/2014/main" id="{306CDB6B-2650-7D46-99F1-E1ED5249DABE}"/>
+                <a16:creationId xmlns:a16="http://schemas.microsoft.com/office/drawing/2014/main" xmlns="" id="{306CDB6B-2650-7D46-99F1-E1ED5249DABE}"/>
               </a:ext>
             </a:extLst>
           </p:cNvPr>
@@ -1669,7 +1669,7 @@
           <p:cNvPr id="5" name="Text Placeholder 4">
             <a:extLst>
               <a:ext uri="{FF2B5EF4-FFF2-40B4-BE49-F238E27FC236}">
-                <a16:creationId xmlns:a16="http://schemas.microsoft.com/office/drawing/2014/main" id="{F2633666-4F32-9F47-BEA4-A1E03F474A9B}"/>
+                <a16:creationId xmlns:a16="http://schemas.microsoft.com/office/drawing/2014/main" xmlns="" id="{F2633666-4F32-9F47-BEA4-A1E03F474A9B}"/>
               </a:ext>
             </a:extLst>
           </p:cNvPr>
@@ -1740,7 +1740,7 @@
           <p:cNvPr id="6" name="Content Placeholder 5">
             <a:extLst>
               <a:ext uri="{FF2B5EF4-FFF2-40B4-BE49-F238E27FC236}">
-                <a16:creationId xmlns:a16="http://schemas.microsoft.com/office/drawing/2014/main" id="{C65F7BC3-FD12-504A-BC6F-E48C50521E88}"/>
+                <a16:creationId xmlns:a16="http://schemas.microsoft.com/office/drawing/2014/main" xmlns="" id="{C65F7BC3-FD12-504A-BC6F-E48C50521E88}"/>
               </a:ext>
             </a:extLst>
           </p:cNvPr>
@@ -1802,7 +1802,7 @@
           <p:cNvPr id="7" name="Date Placeholder 6">
             <a:extLst>
               <a:ext uri="{FF2B5EF4-FFF2-40B4-BE49-F238E27FC236}">
-                <a16:creationId xmlns:a16="http://schemas.microsoft.com/office/drawing/2014/main" id="{C175541B-7FD8-F34E-8753-4D9B6505660D}"/>
+                <a16:creationId xmlns:a16="http://schemas.microsoft.com/office/drawing/2014/main" xmlns="" id="{C175541B-7FD8-F34E-8753-4D9B6505660D}"/>
               </a:ext>
             </a:extLst>
           </p:cNvPr>
@@ -1820,7 +1820,7 @@
           <a:p>
             <a:fld id="{8BFD3E59-099D-4A4C-96AB-C2E44F2AD6F6}" type="datetimeFigureOut">
               <a:rPr lang="en-US" smtClean="0"/>
-              <a:t>2/18/20</a:t>
+              <a:t>2/20/20</a:t>
             </a:fld>
             <a:endParaRPr lang="en-US"/>
           </a:p>
@@ -1831,7 +1831,7 @@
           <p:cNvPr id="8" name="Footer Placeholder 7">
             <a:extLst>
               <a:ext uri="{FF2B5EF4-FFF2-40B4-BE49-F238E27FC236}">
-                <a16:creationId xmlns:a16="http://schemas.microsoft.com/office/drawing/2014/main" id="{FB6DE0EA-EDD5-2141-B03B-CB7C0E3A5504}"/>
+                <a16:creationId xmlns:a16="http://schemas.microsoft.com/office/drawing/2014/main" xmlns="" id="{FB6DE0EA-EDD5-2141-B03B-CB7C0E3A5504}"/>
               </a:ext>
             </a:extLst>
           </p:cNvPr>
@@ -1856,7 +1856,7 @@
           <p:cNvPr id="9" name="Slide Number Placeholder 8">
             <a:extLst>
               <a:ext uri="{FF2B5EF4-FFF2-40B4-BE49-F238E27FC236}">
-                <a16:creationId xmlns:a16="http://schemas.microsoft.com/office/drawing/2014/main" id="{EE29F564-208D-5146-A49F-C63BB3B9DF51}"/>
+                <a16:creationId xmlns:a16="http://schemas.microsoft.com/office/drawing/2014/main" xmlns="" id="{EE29F564-208D-5146-A49F-C63BB3B9DF51}"/>
               </a:ext>
             </a:extLst>
           </p:cNvPr>
@@ -1915,7 +1915,7 @@
           <p:cNvPr id="2" name="Title 1">
             <a:extLst>
               <a:ext uri="{FF2B5EF4-FFF2-40B4-BE49-F238E27FC236}">
-                <a16:creationId xmlns:a16="http://schemas.microsoft.com/office/drawing/2014/main" id="{B704E403-DFDD-8E4F-870F-E8C9F15BB9C0}"/>
+                <a16:creationId xmlns:a16="http://schemas.microsoft.com/office/drawing/2014/main" xmlns="" id="{B704E403-DFDD-8E4F-870F-E8C9F15BB9C0}"/>
               </a:ext>
             </a:extLst>
           </p:cNvPr>
@@ -1943,7 +1943,7 @@
           <p:cNvPr id="3" name="Date Placeholder 2">
             <a:extLst>
               <a:ext uri="{FF2B5EF4-FFF2-40B4-BE49-F238E27FC236}">
-                <a16:creationId xmlns:a16="http://schemas.microsoft.com/office/drawing/2014/main" id="{4F89F35B-1EF1-264D-94D6-DB3AE6684A80}"/>
+                <a16:creationId xmlns:a16="http://schemas.microsoft.com/office/drawing/2014/main" xmlns="" id="{4F89F35B-1EF1-264D-94D6-DB3AE6684A80}"/>
               </a:ext>
             </a:extLst>
           </p:cNvPr>
@@ -1961,7 +1961,7 @@
           <a:p>
             <a:fld id="{8BFD3E59-099D-4A4C-96AB-C2E44F2AD6F6}" type="datetimeFigureOut">
               <a:rPr lang="en-US" smtClean="0"/>
-              <a:t>2/18/20</a:t>
+              <a:t>2/20/20</a:t>
             </a:fld>
             <a:endParaRPr lang="en-US"/>
           </a:p>
@@ -1972,7 +1972,7 @@
           <p:cNvPr id="4" name="Footer Placeholder 3">
             <a:extLst>
               <a:ext uri="{FF2B5EF4-FFF2-40B4-BE49-F238E27FC236}">
-                <a16:creationId xmlns:a16="http://schemas.microsoft.com/office/drawing/2014/main" id="{D6F8117F-500B-D34E-B663-7ACBC6CCBE79}"/>
+                <a16:creationId xmlns:a16="http://schemas.microsoft.com/office/drawing/2014/main" xmlns="" id="{D6F8117F-500B-D34E-B663-7ACBC6CCBE79}"/>
               </a:ext>
             </a:extLst>
           </p:cNvPr>
@@ -1997,7 +1997,7 @@
           <p:cNvPr id="5" name="Slide Number Placeholder 4">
             <a:extLst>
               <a:ext uri="{FF2B5EF4-FFF2-40B4-BE49-F238E27FC236}">
-                <a16:creationId xmlns:a16="http://schemas.microsoft.com/office/drawing/2014/main" id="{960EE18D-7E19-994E-BD21-610B70C6A4D2}"/>
+                <a16:creationId xmlns:a16="http://schemas.microsoft.com/office/drawing/2014/main" xmlns="" id="{960EE18D-7E19-994E-BD21-610B70C6A4D2}"/>
               </a:ext>
             </a:extLst>
           </p:cNvPr>
@@ -2056,7 +2056,7 @@
           <p:cNvPr id="2" name="Date Placeholder 1">
             <a:extLst>
               <a:ext uri="{FF2B5EF4-FFF2-40B4-BE49-F238E27FC236}">
-                <a16:creationId xmlns:a16="http://schemas.microsoft.com/office/drawing/2014/main" id="{83A8203B-8D12-DA4B-AB31-062154419819}"/>
+                <a16:creationId xmlns:a16="http://schemas.microsoft.com/office/drawing/2014/main" xmlns="" id="{83A8203B-8D12-DA4B-AB31-062154419819}"/>
               </a:ext>
             </a:extLst>
           </p:cNvPr>
@@ -2074,7 +2074,7 @@
           <a:p>
             <a:fld id="{8BFD3E59-099D-4A4C-96AB-C2E44F2AD6F6}" type="datetimeFigureOut">
               <a:rPr lang="en-US" smtClean="0"/>
-              <a:t>2/18/20</a:t>
+              <a:t>2/20/20</a:t>
             </a:fld>
             <a:endParaRPr lang="en-US"/>
           </a:p>
@@ -2085,7 +2085,7 @@
           <p:cNvPr id="3" name="Footer Placeholder 2">
             <a:extLst>
               <a:ext uri="{FF2B5EF4-FFF2-40B4-BE49-F238E27FC236}">
-                <a16:creationId xmlns:a16="http://schemas.microsoft.com/office/drawing/2014/main" id="{BB0B7CA0-2A39-A043-994C-5B05A456A54C}"/>
+                <a16:creationId xmlns:a16="http://schemas.microsoft.com/office/drawing/2014/main" xmlns="" id="{BB0B7CA0-2A39-A043-994C-5B05A456A54C}"/>
               </a:ext>
             </a:extLst>
           </p:cNvPr>
@@ -2110,7 +2110,7 @@
           <p:cNvPr id="4" name="Slide Number Placeholder 3">
             <a:extLst>
               <a:ext uri="{FF2B5EF4-FFF2-40B4-BE49-F238E27FC236}">
-                <a16:creationId xmlns:a16="http://schemas.microsoft.com/office/drawing/2014/main" id="{71C13D0A-87FD-794E-9F31-64C8C3DF0F17}"/>
+                <a16:creationId xmlns:a16="http://schemas.microsoft.com/office/drawing/2014/main" xmlns="" id="{71C13D0A-87FD-794E-9F31-64C8C3DF0F17}"/>
               </a:ext>
             </a:extLst>
           </p:cNvPr>
@@ -2169,7 +2169,7 @@
           <p:cNvPr id="2" name="Title 1">
             <a:extLst>
               <a:ext uri="{FF2B5EF4-FFF2-40B4-BE49-F238E27FC236}">
-                <a16:creationId xmlns:a16="http://schemas.microsoft.com/office/drawing/2014/main" id="{C57FAD06-07BE-3A45-886E-9B7EE8828920}"/>
+                <a16:creationId xmlns:a16="http://schemas.microsoft.com/office/drawing/2014/main" xmlns="" id="{C57FAD06-07BE-3A45-886E-9B7EE8828920}"/>
               </a:ext>
             </a:extLst>
           </p:cNvPr>
@@ -2206,7 +2206,7 @@
           <p:cNvPr id="3" name="Content Placeholder 2">
             <a:extLst>
               <a:ext uri="{FF2B5EF4-FFF2-40B4-BE49-F238E27FC236}">
-                <a16:creationId xmlns:a16="http://schemas.microsoft.com/office/drawing/2014/main" id="{3F30D9FE-BA18-894D-898B-A6BC97EF8F84}"/>
+                <a16:creationId xmlns:a16="http://schemas.microsoft.com/office/drawing/2014/main" xmlns="" id="{3F30D9FE-BA18-894D-898B-A6BC97EF8F84}"/>
               </a:ext>
             </a:extLst>
           </p:cNvPr>
@@ -2296,7 +2296,7 @@
           <p:cNvPr id="4" name="Text Placeholder 3">
             <a:extLst>
               <a:ext uri="{FF2B5EF4-FFF2-40B4-BE49-F238E27FC236}">
-                <a16:creationId xmlns:a16="http://schemas.microsoft.com/office/drawing/2014/main" id="{44FA78E0-46DF-404F-A802-7C9CAEFF09A5}"/>
+                <a16:creationId xmlns:a16="http://schemas.microsoft.com/office/drawing/2014/main" xmlns="" id="{44FA78E0-46DF-404F-A802-7C9CAEFF09A5}"/>
               </a:ext>
             </a:extLst>
           </p:cNvPr>
@@ -2367,7 +2367,7 @@
           <p:cNvPr id="5" name="Date Placeholder 4">
             <a:extLst>
               <a:ext uri="{FF2B5EF4-FFF2-40B4-BE49-F238E27FC236}">
-                <a16:creationId xmlns:a16="http://schemas.microsoft.com/office/drawing/2014/main" id="{BD9168CC-EC70-A94F-9276-5B87BEE1AA87}"/>
+                <a16:creationId xmlns:a16="http://schemas.microsoft.com/office/drawing/2014/main" xmlns="" id="{BD9168CC-EC70-A94F-9276-5B87BEE1AA87}"/>
               </a:ext>
             </a:extLst>
           </p:cNvPr>
@@ -2385,7 +2385,7 @@
           <a:p>
             <a:fld id="{8BFD3E59-099D-4A4C-96AB-C2E44F2AD6F6}" type="datetimeFigureOut">
               <a:rPr lang="en-US" smtClean="0"/>
-              <a:t>2/18/20</a:t>
+              <a:t>2/20/20</a:t>
             </a:fld>
             <a:endParaRPr lang="en-US"/>
           </a:p>
@@ -2396,7 +2396,7 @@
           <p:cNvPr id="6" name="Footer Placeholder 5">
             <a:extLst>
               <a:ext uri="{FF2B5EF4-FFF2-40B4-BE49-F238E27FC236}">
-                <a16:creationId xmlns:a16="http://schemas.microsoft.com/office/drawing/2014/main" id="{9CB912EF-936A-DB48-ACDC-FC625093D599}"/>
+                <a16:creationId xmlns:a16="http://schemas.microsoft.com/office/drawing/2014/main" xmlns="" id="{9CB912EF-936A-DB48-ACDC-FC625093D599}"/>
               </a:ext>
             </a:extLst>
           </p:cNvPr>
@@ -2421,7 +2421,7 @@
           <p:cNvPr id="7" name="Slide Number Placeholder 6">
             <a:extLst>
               <a:ext uri="{FF2B5EF4-FFF2-40B4-BE49-F238E27FC236}">
-                <a16:creationId xmlns:a16="http://schemas.microsoft.com/office/drawing/2014/main" id="{F057A6A2-8CA6-B542-98BA-FE498EF762B6}"/>
+                <a16:creationId xmlns:a16="http://schemas.microsoft.com/office/drawing/2014/main" xmlns="" id="{F057A6A2-8CA6-B542-98BA-FE498EF762B6}"/>
               </a:ext>
             </a:extLst>
           </p:cNvPr>
@@ -2480,7 +2480,7 @@
           <p:cNvPr id="2" name="Title 1">
             <a:extLst>
               <a:ext uri="{FF2B5EF4-FFF2-40B4-BE49-F238E27FC236}">
-                <a16:creationId xmlns:a16="http://schemas.microsoft.com/office/drawing/2014/main" id="{514A3FE7-FAC2-7743-A4A7-CA7B428BBC76}"/>
+                <a16:creationId xmlns:a16="http://schemas.microsoft.com/office/drawing/2014/main" xmlns="" id="{514A3FE7-FAC2-7743-A4A7-CA7B428BBC76}"/>
               </a:ext>
             </a:extLst>
           </p:cNvPr>
@@ -2517,7 +2517,7 @@
           <p:cNvPr id="3" name="Picture Placeholder 2">
             <a:extLst>
               <a:ext uri="{FF2B5EF4-FFF2-40B4-BE49-F238E27FC236}">
-                <a16:creationId xmlns:a16="http://schemas.microsoft.com/office/drawing/2014/main" id="{4289407D-BBC0-544A-822C-DAFB3F3BC91E}"/>
+                <a16:creationId xmlns:a16="http://schemas.microsoft.com/office/drawing/2014/main" xmlns="" id="{4289407D-BBC0-544A-822C-DAFB3F3BC91E}"/>
               </a:ext>
             </a:extLst>
           </p:cNvPr>
@@ -2584,7 +2584,7 @@
           <p:cNvPr id="4" name="Text Placeholder 3">
             <a:extLst>
               <a:ext uri="{FF2B5EF4-FFF2-40B4-BE49-F238E27FC236}">
-                <a16:creationId xmlns:a16="http://schemas.microsoft.com/office/drawing/2014/main" id="{AC248507-C0FA-8C4A-A754-EBF06F9B8D60}"/>
+                <a16:creationId xmlns:a16="http://schemas.microsoft.com/office/drawing/2014/main" xmlns="" id="{AC248507-C0FA-8C4A-A754-EBF06F9B8D60}"/>
               </a:ext>
             </a:extLst>
           </p:cNvPr>
@@ -2655,7 +2655,7 @@
           <p:cNvPr id="5" name="Date Placeholder 4">
             <a:extLst>
               <a:ext uri="{FF2B5EF4-FFF2-40B4-BE49-F238E27FC236}">
-                <a16:creationId xmlns:a16="http://schemas.microsoft.com/office/drawing/2014/main" id="{170911A8-7D86-5542-9351-E50B09CB43AD}"/>
+                <a16:creationId xmlns:a16="http://schemas.microsoft.com/office/drawing/2014/main" xmlns="" id="{170911A8-7D86-5542-9351-E50B09CB43AD}"/>
               </a:ext>
             </a:extLst>
           </p:cNvPr>
@@ -2673,7 +2673,7 @@
           <a:p>
             <a:fld id="{8BFD3E59-099D-4A4C-96AB-C2E44F2AD6F6}" type="datetimeFigureOut">
               <a:rPr lang="en-US" smtClean="0"/>
-              <a:t>2/18/20</a:t>
+              <a:t>2/20/20</a:t>
             </a:fld>
             <a:endParaRPr lang="en-US"/>
           </a:p>
@@ -2684,7 +2684,7 @@
           <p:cNvPr id="6" name="Footer Placeholder 5">
             <a:extLst>
               <a:ext uri="{FF2B5EF4-FFF2-40B4-BE49-F238E27FC236}">
-                <a16:creationId xmlns:a16="http://schemas.microsoft.com/office/drawing/2014/main" id="{F311EB06-2EB0-EF4A-9A2C-10DAC13750EB}"/>
+                <a16:creationId xmlns:a16="http://schemas.microsoft.com/office/drawing/2014/main" xmlns="" id="{F311EB06-2EB0-EF4A-9A2C-10DAC13750EB}"/>
               </a:ext>
             </a:extLst>
           </p:cNvPr>
@@ -2709,7 +2709,7 @@
           <p:cNvPr id="7" name="Slide Number Placeholder 6">
             <a:extLst>
               <a:ext uri="{FF2B5EF4-FFF2-40B4-BE49-F238E27FC236}">
-                <a16:creationId xmlns:a16="http://schemas.microsoft.com/office/drawing/2014/main" id="{1F276BA1-3777-5247-8DC4-E2F3E00C6960}"/>
+                <a16:creationId xmlns:a16="http://schemas.microsoft.com/office/drawing/2014/main" xmlns="" id="{1F276BA1-3777-5247-8DC4-E2F3E00C6960}"/>
               </a:ext>
             </a:extLst>
           </p:cNvPr>
@@ -2773,7 +2773,7 @@
           <p:cNvPr id="2" name="Title Placeholder 1">
             <a:extLst>
               <a:ext uri="{FF2B5EF4-FFF2-40B4-BE49-F238E27FC236}">
-                <a16:creationId xmlns:a16="http://schemas.microsoft.com/office/drawing/2014/main" id="{F52C71D6-9B61-6748-BE53-4AA2916BC3DC}"/>
+                <a16:creationId xmlns:a16="http://schemas.microsoft.com/office/drawing/2014/main" xmlns="" id="{F52C71D6-9B61-6748-BE53-4AA2916BC3DC}"/>
               </a:ext>
             </a:extLst>
           </p:cNvPr>
@@ -2811,7 +2811,7 @@
           <p:cNvPr id="3" name="Text Placeholder 2">
             <a:extLst>
               <a:ext uri="{FF2B5EF4-FFF2-40B4-BE49-F238E27FC236}">
-                <a16:creationId xmlns:a16="http://schemas.microsoft.com/office/drawing/2014/main" id="{4F837F3F-B732-FA4A-B911-E72E906FA04B}"/>
+                <a16:creationId xmlns:a16="http://schemas.microsoft.com/office/drawing/2014/main" xmlns="" id="{4F837F3F-B732-FA4A-B911-E72E906FA04B}"/>
               </a:ext>
             </a:extLst>
           </p:cNvPr>
@@ -2878,7 +2878,7 @@
           <p:cNvPr id="4" name="Date Placeholder 3">
             <a:extLst>
               <a:ext uri="{FF2B5EF4-FFF2-40B4-BE49-F238E27FC236}">
-                <a16:creationId xmlns:a16="http://schemas.microsoft.com/office/drawing/2014/main" id="{B2210CDC-251A-8A4B-B18D-1EC24CB19337}"/>
+                <a16:creationId xmlns:a16="http://schemas.microsoft.com/office/drawing/2014/main" xmlns="" id="{B2210CDC-251A-8A4B-B18D-1EC24CB19337}"/>
               </a:ext>
             </a:extLst>
           </p:cNvPr>
@@ -2914,7 +2914,7 @@
           <a:p>
             <a:fld id="{8BFD3E59-099D-4A4C-96AB-C2E44F2AD6F6}" type="datetimeFigureOut">
               <a:rPr lang="en-US" smtClean="0"/>
-              <a:t>2/18/20</a:t>
+              <a:t>2/20/20</a:t>
             </a:fld>
             <a:endParaRPr lang="en-US"/>
           </a:p>
@@ -2925,7 +2925,7 @@
           <p:cNvPr id="5" name="Footer Placeholder 4">
             <a:extLst>
               <a:ext uri="{FF2B5EF4-FFF2-40B4-BE49-F238E27FC236}">
-                <a16:creationId xmlns:a16="http://schemas.microsoft.com/office/drawing/2014/main" id="{42BBBBAC-F6B5-374C-B8A5-736ED7393A67}"/>
+                <a16:creationId xmlns:a16="http://schemas.microsoft.com/office/drawing/2014/main" xmlns="" id="{42BBBBAC-F6B5-374C-B8A5-736ED7393A67}"/>
               </a:ext>
             </a:extLst>
           </p:cNvPr>
@@ -2968,7 +2968,7 @@
           <p:cNvPr id="6" name="Slide Number Placeholder 5">
             <a:extLst>
               <a:ext uri="{FF2B5EF4-FFF2-40B4-BE49-F238E27FC236}">
-                <a16:creationId xmlns:a16="http://schemas.microsoft.com/office/drawing/2014/main" id="{DF64B2C3-0139-4046-AA7A-CAF60F97C5FE}"/>
+                <a16:creationId xmlns:a16="http://schemas.microsoft.com/office/drawing/2014/main" xmlns="" id="{DF64B2C3-0139-4046-AA7A-CAF60F97C5FE}"/>
               </a:ext>
             </a:extLst>
           </p:cNvPr>
@@ -3336,7 +3336,7 @@
           <p:cNvPr id="2" name="Title 1">
             <a:extLst>
               <a:ext uri="{FF2B5EF4-FFF2-40B4-BE49-F238E27FC236}">
-                <a16:creationId xmlns:a16="http://schemas.microsoft.com/office/drawing/2014/main" id="{85AE1B21-C61B-6948-8AFC-78FB351B8ECE}"/>
+                <a16:creationId xmlns:a16="http://schemas.microsoft.com/office/drawing/2014/main" xmlns="" id="{85AE1B21-C61B-6948-8AFC-78FB351B8ECE}"/>
               </a:ext>
             </a:extLst>
           </p:cNvPr>
@@ -3364,7 +3364,7 @@
           <p:cNvPr id="3" name="Subtitle 2">
             <a:extLst>
               <a:ext uri="{FF2B5EF4-FFF2-40B4-BE49-F238E27FC236}">
-                <a16:creationId xmlns:a16="http://schemas.microsoft.com/office/drawing/2014/main" id="{00C67627-8801-CC49-BB4E-1833CEED2994}"/>
+                <a16:creationId xmlns:a16="http://schemas.microsoft.com/office/drawing/2014/main" xmlns="" id="{00C67627-8801-CC49-BB4E-1833CEED2994}"/>
               </a:ext>
             </a:extLst>
           </p:cNvPr>
@@ -3422,7 +3422,7 @@
           <p:cNvPr id="2" name="Title 1">
             <a:extLst>
               <a:ext uri="{FF2B5EF4-FFF2-40B4-BE49-F238E27FC236}">
-                <a16:creationId xmlns:a16="http://schemas.microsoft.com/office/drawing/2014/main" id="{3B606D03-44E3-E546-B127-5255C79DDCE1}"/>
+                <a16:creationId xmlns:a16="http://schemas.microsoft.com/office/drawing/2014/main" xmlns="" id="{3B606D03-44E3-E546-B127-5255C79DDCE1}"/>
               </a:ext>
             </a:extLst>
           </p:cNvPr>
@@ -3450,7 +3450,7 @@
           <p:cNvPr id="3" name="Content Placeholder 2">
             <a:extLst>
               <a:ext uri="{FF2B5EF4-FFF2-40B4-BE49-F238E27FC236}">
-                <a16:creationId xmlns:a16="http://schemas.microsoft.com/office/drawing/2014/main" id="{A1B34B98-863B-B745-9337-9353D4D499A7}"/>
+                <a16:creationId xmlns:a16="http://schemas.microsoft.com/office/drawing/2014/main" xmlns="" id="{A1B34B98-863B-B745-9337-9353D4D499A7}"/>
               </a:ext>
             </a:extLst>
           </p:cNvPr>
@@ -3558,7 +3558,7 @@
           <p:cNvPr id="2" name="Title 1">
             <a:extLst>
               <a:ext uri="{FF2B5EF4-FFF2-40B4-BE49-F238E27FC236}">
-                <a16:creationId xmlns:a16="http://schemas.microsoft.com/office/drawing/2014/main" id="{39622AD2-D486-2046-A792-B859F5474A04}"/>
+                <a16:creationId xmlns:a16="http://schemas.microsoft.com/office/drawing/2014/main" xmlns="" id="{39622AD2-D486-2046-A792-B859F5474A04}"/>
               </a:ext>
             </a:extLst>
           </p:cNvPr>
@@ -3586,7 +3586,7 @@
           <p:cNvPr id="5" name="Picture 4" descr="A screenshot of a cell phone&#10;&#10;Description automatically generated">
             <a:extLst>
               <a:ext uri="{FF2B5EF4-FFF2-40B4-BE49-F238E27FC236}">
-                <a16:creationId xmlns:a16="http://schemas.microsoft.com/office/drawing/2014/main" id="{33DF3DC8-D3D7-7148-A1CF-384A2370A738}"/>
+                <a16:creationId xmlns:a16="http://schemas.microsoft.com/office/drawing/2014/main" xmlns="" id="{33DF3DC8-D3D7-7148-A1CF-384A2370A738}"/>
               </a:ext>
             </a:extLst>
           </p:cNvPr>
@@ -3646,7 +3646,7 @@
           <p:cNvPr id="2" name="Title 1">
             <a:extLst>
               <a:ext uri="{FF2B5EF4-FFF2-40B4-BE49-F238E27FC236}">
-                <a16:creationId xmlns:a16="http://schemas.microsoft.com/office/drawing/2014/main" id="{26DBAED3-1E63-D140-8ABF-65EAB95014CE}"/>
+                <a16:creationId xmlns:a16="http://schemas.microsoft.com/office/drawing/2014/main" xmlns="" id="{26DBAED3-1E63-D140-8ABF-65EAB95014CE}"/>
               </a:ext>
             </a:extLst>
           </p:cNvPr>
@@ -3674,7 +3674,7 @@
           <p:cNvPr id="3" name="Content Placeholder 2">
             <a:extLst>
               <a:ext uri="{FF2B5EF4-FFF2-40B4-BE49-F238E27FC236}">
-                <a16:creationId xmlns:a16="http://schemas.microsoft.com/office/drawing/2014/main" id="{DDA1D0A9-45F0-C94A-AF88-429E48042843}"/>
+                <a16:creationId xmlns:a16="http://schemas.microsoft.com/office/drawing/2014/main" xmlns="" id="{DDA1D0A9-45F0-C94A-AF88-429E48042843}"/>
               </a:ext>
             </a:extLst>
           </p:cNvPr>
@@ -3749,7 +3749,7 @@
           <p:cNvPr id="2" name="Title 1">
             <a:extLst>
               <a:ext uri="{FF2B5EF4-FFF2-40B4-BE49-F238E27FC236}">
-                <a16:creationId xmlns:a16="http://schemas.microsoft.com/office/drawing/2014/main" id="{7F12B708-14EE-0E41-A7AD-4B7C8765B11D}"/>
+                <a16:creationId xmlns:a16="http://schemas.microsoft.com/office/drawing/2014/main" xmlns="" id="{7F12B708-14EE-0E41-A7AD-4B7C8765B11D}"/>
               </a:ext>
             </a:extLst>
           </p:cNvPr>
@@ -3777,7 +3777,7 @@
           <p:cNvPr id="3" name="Content Placeholder 2">
             <a:extLst>
               <a:ext uri="{FF2B5EF4-FFF2-40B4-BE49-F238E27FC236}">
-                <a16:creationId xmlns:a16="http://schemas.microsoft.com/office/drawing/2014/main" id="{A058ADC5-B953-0949-B197-F38817902F52}"/>
+                <a16:creationId xmlns:a16="http://schemas.microsoft.com/office/drawing/2014/main" xmlns="" id="{A058ADC5-B953-0949-B197-F38817902F52}"/>
               </a:ext>
             </a:extLst>
           </p:cNvPr>
@@ -3795,14 +3795,40 @@
           <a:p>
             <a:r>
               <a:rPr lang="en-US" dirty="0"/>
-              <a:t>Plan to compare at a minimum of four of gene-level statistics (some o which you will have to compute yourself).</a:t>
-            </a:r>
-          </a:p>
-          <a:p>
+              <a:t>Plan to compare at a minimum of four </a:t>
+            </a:r>
+            <a:r>
+              <a:rPr lang="en-US" dirty="0" smtClean="0"/>
+              <a:t>transcript-level statistics </a:t>
+            </a:r>
             <a:r>
               <a:rPr lang="en-US" dirty="0"/>
-              <a:t> </a:t>
-            </a:r>
+              <a:t>(some </a:t>
+            </a:r>
+            <a:r>
+              <a:rPr lang="en-US" dirty="0" smtClean="0"/>
+              <a:t>of </a:t>
+            </a:r>
+            <a:r>
+              <a:rPr lang="en-US" dirty="0"/>
+              <a:t>which you will have to compute yourself</a:t>
+            </a:r>
+            <a:r>
+              <a:rPr lang="en-US" dirty="0" smtClean="0"/>
+              <a:t>). </a:t>
+            </a:r>
+            <a:r>
+              <a:rPr lang="en-US" i="1" dirty="0" smtClean="0"/>
+              <a:t>Don’t worry about aggregating transcript-level features to genes</a:t>
+            </a:r>
+            <a:r>
+              <a:rPr lang="en-US" dirty="0" smtClean="0"/>
+              <a:t>. </a:t>
+            </a:r>
+            <a:endParaRPr lang="en-US" dirty="0"/>
+          </a:p>
+          <a:p>
+            <a:endParaRPr lang="en-US" dirty="0"/>
           </a:p>
           <a:p>
             <a:r>
@@ -3847,7 +3873,7 @@
           <p:cNvPr id="2" name="Title 1">
             <a:extLst>
               <a:ext uri="{FF2B5EF4-FFF2-40B4-BE49-F238E27FC236}">
-                <a16:creationId xmlns:a16="http://schemas.microsoft.com/office/drawing/2014/main" id="{C088CDAD-3304-7241-B09D-32B6AF5D0E5D}"/>
+                <a16:creationId xmlns:a16="http://schemas.microsoft.com/office/drawing/2014/main" xmlns="" id="{C088CDAD-3304-7241-B09D-32B6AF5D0E5D}"/>
               </a:ext>
             </a:extLst>
           </p:cNvPr>
@@ -3875,7 +3901,7 @@
           <p:cNvPr id="4" name="Content Placeholder 2">
             <a:extLst>
               <a:ext uri="{FF2B5EF4-FFF2-40B4-BE49-F238E27FC236}">
-                <a16:creationId xmlns:a16="http://schemas.microsoft.com/office/drawing/2014/main" id="{5392297C-4CB4-3443-8C2E-59F4F9D4DAC3}"/>
+                <a16:creationId xmlns:a16="http://schemas.microsoft.com/office/drawing/2014/main" xmlns="" id="{5392297C-4CB4-3443-8C2E-59F4F9D4DAC3}"/>
               </a:ext>
             </a:extLst>
           </p:cNvPr>
